--- a/Prezentácie/07.Switch/7.Switch.pptx
+++ b/Prezentácie/07.Switch/7.Switch.pptx
@@ -204,7 +204,7 @@
           <a:p>
             <a:fld id="{2B7D52C7-83FB-4EFA-865C-0A5DE3C43239}" type="datetimeFigureOut">
               <a:rPr lang="sk-SK" smtClean="0"/>
-              <a:t>5. 9. 2021</a:t>
+              <a:t>3. 11. 2021</a:t>
             </a:fld>
             <a:endParaRPr lang="sk-SK"/>
           </a:p>
@@ -689,7 +689,7 @@
           <a:p>
             <a:fld id="{A41C46B3-6C1A-46AE-A2D8-2FE86D132A7F}" type="datetimeFigureOut">
               <a:rPr lang="sk-SK" smtClean="0"/>
-              <a:t>5. 9. 2021</a:t>
+              <a:t>3. 11. 2021</a:t>
             </a:fld>
             <a:endParaRPr lang="sk-SK"/>
           </a:p>
@@ -976,7 +976,7 @@
           <a:p>
             <a:fld id="{A41C46B3-6C1A-46AE-A2D8-2FE86D132A7F}" type="datetimeFigureOut">
               <a:rPr lang="sk-SK" smtClean="0"/>
-              <a:t>5. 9. 2021</a:t>
+              <a:t>3. 11. 2021</a:t>
             </a:fld>
             <a:endParaRPr lang="sk-SK"/>
           </a:p>
@@ -1168,7 +1168,7 @@
           <a:p>
             <a:fld id="{A41C46B3-6C1A-46AE-A2D8-2FE86D132A7F}" type="datetimeFigureOut">
               <a:rPr lang="sk-SK" smtClean="0"/>
-              <a:t>5. 9. 2021</a:t>
+              <a:t>3. 11. 2021</a:t>
             </a:fld>
             <a:endParaRPr lang="sk-SK"/>
           </a:p>
@@ -1429,7 +1429,7 @@
           <a:p>
             <a:fld id="{A41C46B3-6C1A-46AE-A2D8-2FE86D132A7F}" type="datetimeFigureOut">
               <a:rPr lang="sk-SK" smtClean="0"/>
-              <a:t>5. 9. 2021</a:t>
+              <a:t>3. 11. 2021</a:t>
             </a:fld>
             <a:endParaRPr lang="sk-SK"/>
           </a:p>
@@ -1853,7 +1853,7 @@
           <a:p>
             <a:fld id="{A41C46B3-6C1A-46AE-A2D8-2FE86D132A7F}" type="datetimeFigureOut">
               <a:rPr lang="sk-SK" smtClean="0"/>
-              <a:t>5. 9. 2021</a:t>
+              <a:t>3. 11. 2021</a:t>
             </a:fld>
             <a:endParaRPr lang="sk-SK"/>
           </a:p>
@@ -2399,7 +2399,7 @@
           <a:p>
             <a:fld id="{A41C46B3-6C1A-46AE-A2D8-2FE86D132A7F}" type="datetimeFigureOut">
               <a:rPr lang="sk-SK" smtClean="0"/>
-              <a:t>5. 9. 2021</a:t>
+              <a:t>3. 11. 2021</a:t>
             </a:fld>
             <a:endParaRPr lang="sk-SK"/>
           </a:p>
@@ -3239,7 +3239,7 @@
           <a:p>
             <a:fld id="{A41C46B3-6C1A-46AE-A2D8-2FE86D132A7F}" type="datetimeFigureOut">
               <a:rPr lang="sk-SK" smtClean="0"/>
-              <a:t>5. 9. 2021</a:t>
+              <a:t>3. 11. 2021</a:t>
             </a:fld>
             <a:endParaRPr lang="sk-SK"/>
           </a:p>
@@ -3409,7 +3409,7 @@
           <a:p>
             <a:fld id="{A41C46B3-6C1A-46AE-A2D8-2FE86D132A7F}" type="datetimeFigureOut">
               <a:rPr lang="sk-SK" smtClean="0"/>
-              <a:t>5. 9. 2021</a:t>
+              <a:t>3. 11. 2021</a:t>
             </a:fld>
             <a:endParaRPr lang="sk-SK"/>
           </a:p>
@@ -3593,7 +3593,7 @@
           <a:p>
             <a:fld id="{A41C46B3-6C1A-46AE-A2D8-2FE86D132A7F}" type="datetimeFigureOut">
               <a:rPr lang="sk-SK" smtClean="0"/>
-              <a:t>5. 9. 2021</a:t>
+              <a:t>3. 11. 2021</a:t>
             </a:fld>
             <a:endParaRPr lang="sk-SK"/>
           </a:p>
@@ -3763,7 +3763,7 @@
           <a:p>
             <a:fld id="{A41C46B3-6C1A-46AE-A2D8-2FE86D132A7F}" type="datetimeFigureOut">
               <a:rPr lang="sk-SK" smtClean="0"/>
-              <a:t>5. 9. 2021</a:t>
+              <a:t>3. 11. 2021</a:t>
             </a:fld>
             <a:endParaRPr lang="sk-SK"/>
           </a:p>
@@ -4011,7 +4011,7 @@
           <a:p>
             <a:fld id="{A41C46B3-6C1A-46AE-A2D8-2FE86D132A7F}" type="datetimeFigureOut">
               <a:rPr lang="sk-SK" smtClean="0"/>
-              <a:t>5. 9. 2021</a:t>
+              <a:t>3. 11. 2021</a:t>
             </a:fld>
             <a:endParaRPr lang="sk-SK"/>
           </a:p>
@@ -4248,7 +4248,7 @@
           <a:p>
             <a:fld id="{A41C46B3-6C1A-46AE-A2D8-2FE86D132A7F}" type="datetimeFigureOut">
               <a:rPr lang="sk-SK" smtClean="0"/>
-              <a:t>5. 9. 2021</a:t>
+              <a:t>3. 11. 2021</a:t>
             </a:fld>
             <a:endParaRPr lang="sk-SK"/>
           </a:p>
@@ -4621,7 +4621,7 @@
           <a:p>
             <a:fld id="{A41C46B3-6C1A-46AE-A2D8-2FE86D132A7F}" type="datetimeFigureOut">
               <a:rPr lang="sk-SK" smtClean="0"/>
-              <a:t>5. 9. 2021</a:t>
+              <a:t>3. 11. 2021</a:t>
             </a:fld>
             <a:endParaRPr lang="sk-SK"/>
           </a:p>
@@ -4739,7 +4739,7 @@
           <a:p>
             <a:fld id="{A41C46B3-6C1A-46AE-A2D8-2FE86D132A7F}" type="datetimeFigureOut">
               <a:rPr lang="sk-SK" smtClean="0"/>
-              <a:t>5. 9. 2021</a:t>
+              <a:t>3. 11. 2021</a:t>
             </a:fld>
             <a:endParaRPr lang="sk-SK"/>
           </a:p>
@@ -4834,7 +4834,7 @@
           <a:p>
             <a:fld id="{A41C46B3-6C1A-46AE-A2D8-2FE86D132A7F}" type="datetimeFigureOut">
               <a:rPr lang="sk-SK" smtClean="0"/>
-              <a:t>5. 9. 2021</a:t>
+              <a:t>3. 11. 2021</a:t>
             </a:fld>
             <a:endParaRPr lang="sk-SK"/>
           </a:p>
@@ -5085,7 +5085,7 @@
           <a:p>
             <a:fld id="{A41C46B3-6C1A-46AE-A2D8-2FE86D132A7F}" type="datetimeFigureOut">
               <a:rPr lang="sk-SK" smtClean="0"/>
-              <a:t>5. 9. 2021</a:t>
+              <a:t>3. 11. 2021</a:t>
             </a:fld>
             <a:endParaRPr lang="sk-SK"/>
           </a:p>
@@ -5372,7 +5372,7 @@
           <a:p>
             <a:fld id="{A41C46B3-6C1A-46AE-A2D8-2FE86D132A7F}" type="datetimeFigureOut">
               <a:rPr lang="sk-SK" smtClean="0"/>
-              <a:t>5. 9. 2021</a:t>
+              <a:t>3. 11. 2021</a:t>
             </a:fld>
             <a:endParaRPr lang="sk-SK"/>
           </a:p>
@@ -5585,7 +5585,7 @@
           <a:p>
             <a:fld id="{A41C46B3-6C1A-46AE-A2D8-2FE86D132A7F}" type="datetimeFigureOut">
               <a:rPr lang="sk-SK" smtClean="0"/>
-              <a:t>5. 9. 2021</a:t>
+              <a:t>3. 11. 2021</a:t>
             </a:fld>
             <a:endParaRPr lang="sk-SK"/>
           </a:p>
@@ -6096,7 +6096,7 @@
                 <a16:creationId xmlns:a16="http://schemas.microsoft.com/office/drawing/2014/main" id="{3EE6EA0B-C562-460F-AF05-4E9EAEAD635D}"/>
               </a:ext>
               <a:ext uri="{C183D7F6-B498-43B3-948B-1728B52AA6E4}">
-                <adec:decorative xmlns:adec="http://schemas.microsoft.com/office/drawing/2017/decorative" val="1"/>
+                <adec:decorative xmlns:adec="http://schemas.microsoft.com/office/drawing/2017/decorative" xmlns="" val="1"/>
               </a:ext>
             </a:extLst>
           </p:cNvPr>
@@ -6179,8 +6179,13 @@
             <a:pPr algn="r"/>
             <a:r>
               <a:rPr lang="sk-SK" dirty="0"/>
-              <a:t>5.SWITCH</a:t>
-            </a:r>
+              <a:t>7</a:t>
+            </a:r>
+            <a:r>
+              <a:rPr lang="sk-SK" dirty="0" smtClean="0"/>
+              <a:t>.SWITCH</a:t>
+            </a:r>
+            <a:endParaRPr lang="sk-SK" dirty="0"/>
           </a:p>
         </p:txBody>
       </p:sp>
@@ -6360,7 +6365,7 @@
         </p:spPr>
         <p:txBody>
           <a:bodyPr>
-            <a:normAutofit fontScale="85000" lnSpcReduction="10000"/>
+            <a:normAutofit fontScale="85000" lnSpcReduction="20000"/>
           </a:bodyPr>
           <a:lstStyle/>
           <a:p>
@@ -6604,7 +6609,7 @@
                 <a16:creationId xmlns:a16="http://schemas.microsoft.com/office/drawing/2014/main" id="{BC052280-388E-4151-A1EB-5236D4FCCA28}"/>
               </a:ext>
               <a:ext uri="{C183D7F6-B498-43B3-948B-1728B52AA6E4}">
-                <adec:decorative xmlns:adec="http://schemas.microsoft.com/office/drawing/2017/decorative" val="1"/>
+                <adec:decorative xmlns:adec="http://schemas.microsoft.com/office/drawing/2017/decorative" xmlns="" val="1"/>
               </a:ext>
             </a:extLst>
           </p:cNvPr>
@@ -6688,6 +6693,10 @@
               <a:rPr lang="sk-SK" dirty="0"/>
               <a:t>Cvičenie 1</a:t>
             </a:r>
+            <a:r>
+              <a:rPr lang="sk-SK"/>
+              <a:t/>
+            </a:r>
             <a:br>
               <a:rPr lang="sk-SK"/>
             </a:br>
@@ -6710,7 +6719,7 @@
                 <a16:creationId xmlns:a16="http://schemas.microsoft.com/office/drawing/2014/main" id="{744251C3-E720-4363-8AF0-20AD319374F0}"/>
               </a:ext>
               <a:ext uri="{C183D7F6-B498-43B3-948B-1728B52AA6E4}">
-                <adec:decorative xmlns:adec="http://schemas.microsoft.com/office/drawing/2017/decorative" val="1"/>
+                <adec:decorative xmlns:adec="http://schemas.microsoft.com/office/drawing/2017/decorative" xmlns="" val="1"/>
               </a:ext>
             </a:extLst>
           </p:cNvPr>
@@ -7353,7 +7362,7 @@
                 <a16:creationId xmlns:a16="http://schemas.microsoft.com/office/drawing/2014/main" id="{46DBB1A9-22FF-46E7-97B9-AE54774753DD}"/>
               </a:ext>
               <a:ext uri="{C183D7F6-B498-43B3-948B-1728B52AA6E4}">
-                <adec:decorative xmlns:adec="http://schemas.microsoft.com/office/drawing/2017/decorative" val="1"/>
+                <adec:decorative xmlns:adec="http://schemas.microsoft.com/office/drawing/2017/decorative" xmlns="" val="1"/>
               </a:ext>
             </a:extLst>
           </p:cNvPr>
@@ -7449,7 +7458,7 @@
                 <a16:creationId xmlns:a16="http://schemas.microsoft.com/office/drawing/2014/main" id="{3A1AAD47-56AD-4EE6-A88C-981D060DC2D6}"/>
               </a:ext>
               <a:ext uri="{C183D7F6-B498-43B3-948B-1728B52AA6E4}">
-                <adec:decorative xmlns:adec="http://schemas.microsoft.com/office/drawing/2017/decorative" val="1"/>
+                <adec:decorative xmlns:adec="http://schemas.microsoft.com/office/drawing/2017/decorative" xmlns="" val="1"/>
               </a:ext>
             </a:extLst>
           </p:cNvPr>

--- a/Prezentácie/07.Switch/7.Switch.pptx
+++ b/Prezentácie/07.Switch/7.Switch.pptx
@@ -6096,7 +6096,7 @@
                 <a16:creationId xmlns:a16="http://schemas.microsoft.com/office/drawing/2014/main" id="{3EE6EA0B-C562-460F-AF05-4E9EAEAD635D}"/>
               </a:ext>
               <a:ext uri="{C183D7F6-B498-43B3-948B-1728B52AA6E4}">
-                <adec:decorative xmlns:adec="http://schemas.microsoft.com/office/drawing/2017/decorative" xmlns="" val="1"/>
+                <adec:decorative xmlns="" xmlns:adec="http://schemas.microsoft.com/office/drawing/2017/decorative" val="1"/>
               </a:ext>
             </a:extLst>
           </p:cNvPr>
@@ -6293,6 +6293,13 @@
   <p:clrMapOvr>
     <a:masterClrMapping/>
   </p:clrMapOvr>
+  <p:timing>
+    <p:tnLst>
+      <p:par>
+        <p:cTn id="1" dur="indefinite" restart="never" nodeType="tmRoot"/>
+      </p:par>
+    </p:tnLst>
+  </p:timing>
 </p:sld>
 </file>
 
@@ -6472,6 +6479,13 @@
   <p:clrMapOvr>
     <a:masterClrMapping/>
   </p:clrMapOvr>
+  <p:timing>
+    <p:tnLst>
+      <p:par>
+        <p:cTn id="1" dur="indefinite" restart="never" nodeType="tmRoot"/>
+      </p:par>
+    </p:tnLst>
+  </p:timing>
 </p:sld>
 </file>
 
@@ -6559,6 +6573,13 @@
   <p:clrMapOvr>
     <a:masterClrMapping/>
   </p:clrMapOvr>
+  <p:timing>
+    <p:tnLst>
+      <p:par>
+        <p:cTn id="1" dur="indefinite" restart="never" nodeType="tmRoot"/>
+      </p:par>
+    </p:tnLst>
+  </p:timing>
 </p:sld>
 </file>
 
@@ -6609,7 +6630,7 @@
                 <a16:creationId xmlns:a16="http://schemas.microsoft.com/office/drawing/2014/main" id="{BC052280-388E-4151-A1EB-5236D4FCCA28}"/>
               </a:ext>
               <a:ext uri="{C183D7F6-B498-43B3-948B-1728B52AA6E4}">
-                <adec:decorative xmlns:adec="http://schemas.microsoft.com/office/drawing/2017/decorative" xmlns="" val="1"/>
+                <adec:decorative xmlns="" xmlns:adec="http://schemas.microsoft.com/office/drawing/2017/decorative" val="1"/>
               </a:ext>
             </a:extLst>
           </p:cNvPr>
@@ -6719,7 +6740,7 @@
                 <a16:creationId xmlns:a16="http://schemas.microsoft.com/office/drawing/2014/main" id="{744251C3-E720-4363-8AF0-20AD319374F0}"/>
               </a:ext>
               <a:ext uri="{C183D7F6-B498-43B3-948B-1728B52AA6E4}">
-                <adec:decorative xmlns:adec="http://schemas.microsoft.com/office/drawing/2017/decorative" xmlns="" val="1"/>
+                <adec:decorative xmlns="" xmlns:adec="http://schemas.microsoft.com/office/drawing/2017/decorative" val="1"/>
               </a:ext>
             </a:extLst>
           </p:cNvPr>
@@ -6797,25 +6818,54 @@
             </a:r>
             <a:r>
               <a:rPr lang="sk-SK" dirty="0"/>
-              <a:t>íšte program na vetvenie pomocou príkazu switch ktorý od uživateľa získa ako vstup slovo</a:t>
-            </a:r>
+              <a:t>íšte program na vetvenie pomocou príkazu switch ktorý od uživateľa získa ako </a:t>
+            </a:r>
+            <a:r>
+              <a:rPr lang="sk-SK" dirty="0" smtClean="0"/>
+              <a:t>vstup 1-3</a:t>
+            </a:r>
+            <a:endParaRPr lang="sk-SK" dirty="0"/>
           </a:p>
           <a:p>
             <a:r>
               <a:rPr lang="sk-SK" dirty="0"/>
-              <a:t>Ak sa toto slovo rovná jablko -&gt; vypíše: „Som hladny“</a:t>
-            </a:r>
-          </a:p>
-          <a:p>
+              <a:t>Ak sa toto slovo rovná </a:t>
+            </a:r>
+            <a:r>
+              <a:rPr lang="sk-SK" dirty="0" smtClean="0"/>
+              <a:t>1 </a:t>
+            </a:r>
             <a:r>
               <a:rPr lang="sk-SK" dirty="0"/>
-              <a:t>Ak sa toto slovo rovná mec -&gt; vypíše: „Do zbrane“</a:t>
+              <a:t>-&gt; vypíše: „Som hladny“</a:t>
             </a:r>
           </a:p>
           <a:p>
             <a:r>
               <a:rPr lang="sk-SK" dirty="0"/>
-              <a:t>Ak sa toto slovo rovná hudba -&gt; vypíše: „Nananananaaaaa“</a:t>
+              <a:t>Ak sa toto slovo rovná </a:t>
+            </a:r>
+            <a:r>
+              <a:rPr lang="sk-SK" dirty="0" smtClean="0"/>
+              <a:t>2-&gt; </a:t>
+            </a:r>
+            <a:r>
+              <a:rPr lang="sk-SK" dirty="0"/>
+              <a:t>vypíše: „Do zbrane“</a:t>
+            </a:r>
+          </a:p>
+          <a:p>
+            <a:r>
+              <a:rPr lang="sk-SK" dirty="0"/>
+              <a:t>Ak sa toto slovo rovná </a:t>
+            </a:r>
+            <a:r>
+              <a:rPr lang="sk-SK" dirty="0" smtClean="0"/>
+              <a:t>3 </a:t>
+            </a:r>
+            <a:r>
+              <a:rPr lang="sk-SK" dirty="0"/>
+              <a:t>-&gt; vypíše: „Nananananaaaaa“</a:t>
             </a:r>
           </a:p>
           <a:p>
@@ -6842,6 +6892,13 @@
   <p:clrMapOvr>
     <a:masterClrMapping/>
   </p:clrMapOvr>
+  <p:timing>
+    <p:tnLst>
+      <p:par>
+        <p:cTn id="1" dur="indefinite" restart="never" nodeType="tmRoot"/>
+      </p:par>
+    </p:tnLst>
+  </p:timing>
 </p:sld>
 </file>
 
@@ -7000,6 +7057,13 @@
   <p:clrMapOvr>
     <a:masterClrMapping/>
   </p:clrMapOvr>
+  <p:timing>
+    <p:tnLst>
+      <p:par>
+        <p:cTn id="1" dur="indefinite" restart="never" nodeType="tmRoot"/>
+      </p:par>
+    </p:tnLst>
+  </p:timing>
 </p:sld>
 </file>
 
@@ -7225,6 +7289,13 @@
   <p:clrMapOvr>
     <a:masterClrMapping/>
   </p:clrMapOvr>
+  <p:timing>
+    <p:tnLst>
+      <p:par>
+        <p:cTn id="1" dur="indefinite" restart="never" nodeType="tmRoot"/>
+      </p:par>
+    </p:tnLst>
+  </p:timing>
 </p:sld>
 </file>
 
@@ -7362,7 +7433,7 @@
                 <a16:creationId xmlns:a16="http://schemas.microsoft.com/office/drawing/2014/main" id="{46DBB1A9-22FF-46E7-97B9-AE54774753DD}"/>
               </a:ext>
               <a:ext uri="{C183D7F6-B498-43B3-948B-1728B52AA6E4}">
-                <adec:decorative xmlns:adec="http://schemas.microsoft.com/office/drawing/2017/decorative" xmlns="" val="1"/>
+                <adec:decorative xmlns="" xmlns:adec="http://schemas.microsoft.com/office/drawing/2017/decorative" val="1"/>
               </a:ext>
             </a:extLst>
           </p:cNvPr>
@@ -7458,7 +7529,7 @@
                 <a16:creationId xmlns:a16="http://schemas.microsoft.com/office/drawing/2014/main" id="{3A1AAD47-56AD-4EE6-A88C-981D060DC2D6}"/>
               </a:ext>
               <a:ext uri="{C183D7F6-B498-43B3-948B-1728B52AA6E4}">
-                <adec:decorative xmlns:adec="http://schemas.microsoft.com/office/drawing/2017/decorative" xmlns="" val="1"/>
+                <adec:decorative xmlns="" xmlns:adec="http://schemas.microsoft.com/office/drawing/2017/decorative" val="1"/>
               </a:ext>
             </a:extLst>
           </p:cNvPr>
